--- a/ppt 16-9/0910.主爱永偕.pptx
+++ b/ppt 16-9/0910.主爱永偕.pptx
@@ -129,7 +129,7 @@
           <p:cNvPr id="2" name="标题 1">
             <a:extLst>
               <a:ext uri="{FF2B5EF4-FFF2-40B4-BE49-F238E27FC236}">
-                <a16:creationId xmlns:a16="http://schemas.microsoft.com/office/drawing/2014/main" id="{AA2D01E9-980D-11B6-77A8-0D71B2E1A146}"/>
+                <a16:creationId xmlns:a16="http://schemas.microsoft.com/office/drawing/2014/main" id="{B57337FF-CB41-CB72-11BF-CFBC22A88B79}"/>
               </a:ext>
             </a:extLst>
           </p:cNvPr>
@@ -166,7 +166,7 @@
           <p:cNvPr id="3" name="副标题 2">
             <a:extLst>
               <a:ext uri="{FF2B5EF4-FFF2-40B4-BE49-F238E27FC236}">
-                <a16:creationId xmlns:a16="http://schemas.microsoft.com/office/drawing/2014/main" id="{23D1BC8B-0F16-A42C-B335-B0CB1A84DBC1}"/>
+                <a16:creationId xmlns:a16="http://schemas.microsoft.com/office/drawing/2014/main" id="{615BD910-A9B4-D1C6-D943-36411FA2BE14}"/>
               </a:ext>
             </a:extLst>
           </p:cNvPr>
@@ -236,7 +236,7 @@
           <p:cNvPr id="4" name="日期占位符 3">
             <a:extLst>
               <a:ext uri="{FF2B5EF4-FFF2-40B4-BE49-F238E27FC236}">
-                <a16:creationId xmlns:a16="http://schemas.microsoft.com/office/drawing/2014/main" id="{F3FE5A46-D172-6BBD-A2D9-C9844977CEC9}"/>
+                <a16:creationId xmlns:a16="http://schemas.microsoft.com/office/drawing/2014/main" id="{6B9A1925-DDA3-9831-25FE-9EA6FAAF1818}"/>
               </a:ext>
             </a:extLst>
           </p:cNvPr>
@@ -252,7 +252,7 @@
           <a:bodyPr/>
           <a:lstStyle/>
           <a:p>
-            <a:fld id="{35D9E607-1DFC-40DC-95D0-52D8F853C016}" type="datetimeFigureOut">
+            <a:fld id="{865883FD-19D0-4143-AF80-3293FDB820F3}" type="datetimeFigureOut">
               <a:rPr lang="zh-CN" altLang="en-US" smtClean="0"/>
               <a:t>2024/3/10</a:t>
             </a:fld>
@@ -265,7 +265,7 @@
           <p:cNvPr id="5" name="页脚占位符 4">
             <a:extLst>
               <a:ext uri="{FF2B5EF4-FFF2-40B4-BE49-F238E27FC236}">
-                <a16:creationId xmlns:a16="http://schemas.microsoft.com/office/drawing/2014/main" id="{A92C7560-5E16-51C1-4F8D-38101D0AA0EB}"/>
+                <a16:creationId xmlns:a16="http://schemas.microsoft.com/office/drawing/2014/main" id="{38A143F5-0E4C-B23C-47B0-01DBAA39368E}"/>
               </a:ext>
             </a:extLst>
           </p:cNvPr>
@@ -290,7 +290,7 @@
           <p:cNvPr id="6" name="灯片编号占位符 5">
             <a:extLst>
               <a:ext uri="{FF2B5EF4-FFF2-40B4-BE49-F238E27FC236}">
-                <a16:creationId xmlns:a16="http://schemas.microsoft.com/office/drawing/2014/main" id="{16F3C814-F668-68E9-65EB-C3F1567CF8FD}"/>
+                <a16:creationId xmlns:a16="http://schemas.microsoft.com/office/drawing/2014/main" id="{8C4D54B2-1E9C-9B8E-790A-86D12A12CB56}"/>
               </a:ext>
             </a:extLst>
           </p:cNvPr>
@@ -306,7 +306,7 @@
           <a:bodyPr/>
           <a:lstStyle/>
           <a:p>
-            <a:fld id="{9E130DBA-F31B-4771-9D19-2C8F14DBAE93}" type="slidenum">
+            <a:fld id="{0EA2AA71-1BE2-4247-B6E4-D7ECFE90673D}" type="slidenum">
               <a:rPr lang="zh-CN" altLang="en-US" smtClean="0"/>
               <a:t>‹#›</a:t>
             </a:fld>
@@ -317,7 +317,7 @@
     </p:spTree>
     <p:extLst>
       <p:ext uri="{BB962C8B-B14F-4D97-AF65-F5344CB8AC3E}">
-        <p14:creationId xmlns:p14="http://schemas.microsoft.com/office/powerpoint/2010/main" val="2436320921"/>
+        <p14:creationId xmlns:p14="http://schemas.microsoft.com/office/powerpoint/2010/main" val="1449885507"/>
       </p:ext>
     </p:extLst>
   </p:cSld>
@@ -349,7 +349,7 @@
           <p:cNvPr id="2" name="标题 1">
             <a:extLst>
               <a:ext uri="{FF2B5EF4-FFF2-40B4-BE49-F238E27FC236}">
-                <a16:creationId xmlns:a16="http://schemas.microsoft.com/office/drawing/2014/main" id="{78747F20-2F2D-632C-BAA1-428CC8B1580D}"/>
+                <a16:creationId xmlns:a16="http://schemas.microsoft.com/office/drawing/2014/main" id="{685F68D5-4520-0B84-33A4-CBD2B5A124D6}"/>
               </a:ext>
             </a:extLst>
           </p:cNvPr>
@@ -377,7 +377,7 @@
           <p:cNvPr id="3" name="竖排文字占位符 2">
             <a:extLst>
               <a:ext uri="{FF2B5EF4-FFF2-40B4-BE49-F238E27FC236}">
-                <a16:creationId xmlns:a16="http://schemas.microsoft.com/office/drawing/2014/main" id="{77ED04DC-D4B7-EBEF-AE27-C80E0B313443}"/>
+                <a16:creationId xmlns:a16="http://schemas.microsoft.com/office/drawing/2014/main" id="{508EDA12-C185-23A3-B2EF-BAD87AF04767}"/>
               </a:ext>
             </a:extLst>
           </p:cNvPr>
@@ -434,7 +434,7 @@
           <p:cNvPr id="4" name="日期占位符 3">
             <a:extLst>
               <a:ext uri="{FF2B5EF4-FFF2-40B4-BE49-F238E27FC236}">
-                <a16:creationId xmlns:a16="http://schemas.microsoft.com/office/drawing/2014/main" id="{EE6499AD-7EED-6C88-3B52-F1B1DE19F734}"/>
+                <a16:creationId xmlns:a16="http://schemas.microsoft.com/office/drawing/2014/main" id="{F0568242-60AB-327D-CB7A-015C1F3FB8E5}"/>
               </a:ext>
             </a:extLst>
           </p:cNvPr>
@@ -450,7 +450,7 @@
           <a:bodyPr/>
           <a:lstStyle/>
           <a:p>
-            <a:fld id="{35D9E607-1DFC-40DC-95D0-52D8F853C016}" type="datetimeFigureOut">
+            <a:fld id="{865883FD-19D0-4143-AF80-3293FDB820F3}" type="datetimeFigureOut">
               <a:rPr lang="zh-CN" altLang="en-US" smtClean="0"/>
               <a:t>2024/3/10</a:t>
             </a:fld>
@@ -463,7 +463,7 @@
           <p:cNvPr id="5" name="页脚占位符 4">
             <a:extLst>
               <a:ext uri="{FF2B5EF4-FFF2-40B4-BE49-F238E27FC236}">
-                <a16:creationId xmlns:a16="http://schemas.microsoft.com/office/drawing/2014/main" id="{5D8E7130-60B3-B4B5-7797-ECAFC6D3D6EF}"/>
+                <a16:creationId xmlns:a16="http://schemas.microsoft.com/office/drawing/2014/main" id="{732B98B3-2157-D1F6-71B3-44575AE344BE}"/>
               </a:ext>
             </a:extLst>
           </p:cNvPr>
@@ -488,7 +488,7 @@
           <p:cNvPr id="6" name="灯片编号占位符 5">
             <a:extLst>
               <a:ext uri="{FF2B5EF4-FFF2-40B4-BE49-F238E27FC236}">
-                <a16:creationId xmlns:a16="http://schemas.microsoft.com/office/drawing/2014/main" id="{9D2E73AC-F96F-25E1-06CB-6976EBD5484E}"/>
+                <a16:creationId xmlns:a16="http://schemas.microsoft.com/office/drawing/2014/main" id="{1A3DE215-62A5-222B-9C5E-FAB173F77C88}"/>
               </a:ext>
             </a:extLst>
           </p:cNvPr>
@@ -504,7 +504,7 @@
           <a:bodyPr/>
           <a:lstStyle/>
           <a:p>
-            <a:fld id="{9E130DBA-F31B-4771-9D19-2C8F14DBAE93}" type="slidenum">
+            <a:fld id="{0EA2AA71-1BE2-4247-B6E4-D7ECFE90673D}" type="slidenum">
               <a:rPr lang="zh-CN" altLang="en-US" smtClean="0"/>
               <a:t>‹#›</a:t>
             </a:fld>
@@ -515,7 +515,7 @@
     </p:spTree>
     <p:extLst>
       <p:ext uri="{BB962C8B-B14F-4D97-AF65-F5344CB8AC3E}">
-        <p14:creationId xmlns:p14="http://schemas.microsoft.com/office/powerpoint/2010/main" val="1367145560"/>
+        <p14:creationId xmlns:p14="http://schemas.microsoft.com/office/powerpoint/2010/main" val="2283465105"/>
       </p:ext>
     </p:extLst>
   </p:cSld>
@@ -547,7 +547,7 @@
           <p:cNvPr id="2" name="竖排标题 1">
             <a:extLst>
               <a:ext uri="{FF2B5EF4-FFF2-40B4-BE49-F238E27FC236}">
-                <a16:creationId xmlns:a16="http://schemas.microsoft.com/office/drawing/2014/main" id="{B0256E87-35CC-0610-1C7D-659AB13FB498}"/>
+                <a16:creationId xmlns:a16="http://schemas.microsoft.com/office/drawing/2014/main" id="{B0F558DB-81BC-D927-41A7-7BF8B0561F2F}"/>
               </a:ext>
             </a:extLst>
           </p:cNvPr>
@@ -580,7 +580,7 @@
           <p:cNvPr id="3" name="竖排文字占位符 2">
             <a:extLst>
               <a:ext uri="{FF2B5EF4-FFF2-40B4-BE49-F238E27FC236}">
-                <a16:creationId xmlns:a16="http://schemas.microsoft.com/office/drawing/2014/main" id="{EAF124C4-28D2-5286-57DE-B743BB7AA388}"/>
+                <a16:creationId xmlns:a16="http://schemas.microsoft.com/office/drawing/2014/main" id="{801A81B0-3C10-688D-B0C9-0F13EE29DAE5}"/>
               </a:ext>
             </a:extLst>
           </p:cNvPr>
@@ -642,7 +642,7 @@
           <p:cNvPr id="4" name="日期占位符 3">
             <a:extLst>
               <a:ext uri="{FF2B5EF4-FFF2-40B4-BE49-F238E27FC236}">
-                <a16:creationId xmlns:a16="http://schemas.microsoft.com/office/drawing/2014/main" id="{F82207E1-885D-111F-3151-B716B54FED3D}"/>
+                <a16:creationId xmlns:a16="http://schemas.microsoft.com/office/drawing/2014/main" id="{3AF6785E-05A3-B735-6E08-1180566C6A82}"/>
               </a:ext>
             </a:extLst>
           </p:cNvPr>
@@ -658,7 +658,7 @@
           <a:bodyPr/>
           <a:lstStyle/>
           <a:p>
-            <a:fld id="{35D9E607-1DFC-40DC-95D0-52D8F853C016}" type="datetimeFigureOut">
+            <a:fld id="{865883FD-19D0-4143-AF80-3293FDB820F3}" type="datetimeFigureOut">
               <a:rPr lang="zh-CN" altLang="en-US" smtClean="0"/>
               <a:t>2024/3/10</a:t>
             </a:fld>
@@ -671,7 +671,7 @@
           <p:cNvPr id="5" name="页脚占位符 4">
             <a:extLst>
               <a:ext uri="{FF2B5EF4-FFF2-40B4-BE49-F238E27FC236}">
-                <a16:creationId xmlns:a16="http://schemas.microsoft.com/office/drawing/2014/main" id="{E20B7EBF-713C-950F-B72F-1209A0256B49}"/>
+                <a16:creationId xmlns:a16="http://schemas.microsoft.com/office/drawing/2014/main" id="{F71F1D98-3EDF-7371-01D0-846D6DBA227B}"/>
               </a:ext>
             </a:extLst>
           </p:cNvPr>
@@ -696,7 +696,7 @@
           <p:cNvPr id="6" name="灯片编号占位符 5">
             <a:extLst>
               <a:ext uri="{FF2B5EF4-FFF2-40B4-BE49-F238E27FC236}">
-                <a16:creationId xmlns:a16="http://schemas.microsoft.com/office/drawing/2014/main" id="{38A23CD5-E8E9-5365-9251-172A3D67CAF0}"/>
+                <a16:creationId xmlns:a16="http://schemas.microsoft.com/office/drawing/2014/main" id="{DCE218F1-C088-E5C3-F4C1-3729D520E779}"/>
               </a:ext>
             </a:extLst>
           </p:cNvPr>
@@ -712,7 +712,7 @@
           <a:bodyPr/>
           <a:lstStyle/>
           <a:p>
-            <a:fld id="{9E130DBA-F31B-4771-9D19-2C8F14DBAE93}" type="slidenum">
+            <a:fld id="{0EA2AA71-1BE2-4247-B6E4-D7ECFE90673D}" type="slidenum">
               <a:rPr lang="zh-CN" altLang="en-US" smtClean="0"/>
               <a:t>‹#›</a:t>
             </a:fld>
@@ -723,7 +723,7 @@
     </p:spTree>
     <p:extLst>
       <p:ext uri="{BB962C8B-B14F-4D97-AF65-F5344CB8AC3E}">
-        <p14:creationId xmlns:p14="http://schemas.microsoft.com/office/powerpoint/2010/main" val="852349140"/>
+        <p14:creationId xmlns:p14="http://schemas.microsoft.com/office/powerpoint/2010/main" val="3754311547"/>
       </p:ext>
     </p:extLst>
   </p:cSld>
@@ -755,7 +755,7 @@
           <p:cNvPr id="2" name="标题 1">
             <a:extLst>
               <a:ext uri="{FF2B5EF4-FFF2-40B4-BE49-F238E27FC236}">
-                <a16:creationId xmlns:a16="http://schemas.microsoft.com/office/drawing/2014/main" id="{4A197F0A-55B4-6818-A298-691C66856638}"/>
+                <a16:creationId xmlns:a16="http://schemas.microsoft.com/office/drawing/2014/main" id="{3B09C77B-F09A-3D3C-04CE-771B816738CA}"/>
               </a:ext>
             </a:extLst>
           </p:cNvPr>
@@ -783,7 +783,7 @@
           <p:cNvPr id="3" name="内容占位符 2">
             <a:extLst>
               <a:ext uri="{FF2B5EF4-FFF2-40B4-BE49-F238E27FC236}">
-                <a16:creationId xmlns:a16="http://schemas.microsoft.com/office/drawing/2014/main" id="{CA673CFF-EB0E-D828-0E7E-61442244B1FE}"/>
+                <a16:creationId xmlns:a16="http://schemas.microsoft.com/office/drawing/2014/main" id="{4C6976CE-95A9-D6E5-062A-BFDAD4ABD338}"/>
               </a:ext>
             </a:extLst>
           </p:cNvPr>
@@ -840,7 +840,7 @@
           <p:cNvPr id="4" name="日期占位符 3">
             <a:extLst>
               <a:ext uri="{FF2B5EF4-FFF2-40B4-BE49-F238E27FC236}">
-                <a16:creationId xmlns:a16="http://schemas.microsoft.com/office/drawing/2014/main" id="{732BC66E-3A24-1640-91F7-99ADAFC4910A}"/>
+                <a16:creationId xmlns:a16="http://schemas.microsoft.com/office/drawing/2014/main" id="{7E568D18-AA81-559B-DFAC-B0C8E93501ED}"/>
               </a:ext>
             </a:extLst>
           </p:cNvPr>
@@ -856,7 +856,7 @@
           <a:bodyPr/>
           <a:lstStyle/>
           <a:p>
-            <a:fld id="{35D9E607-1DFC-40DC-95D0-52D8F853C016}" type="datetimeFigureOut">
+            <a:fld id="{865883FD-19D0-4143-AF80-3293FDB820F3}" type="datetimeFigureOut">
               <a:rPr lang="zh-CN" altLang="en-US" smtClean="0"/>
               <a:t>2024/3/10</a:t>
             </a:fld>
@@ -869,7 +869,7 @@
           <p:cNvPr id="5" name="页脚占位符 4">
             <a:extLst>
               <a:ext uri="{FF2B5EF4-FFF2-40B4-BE49-F238E27FC236}">
-                <a16:creationId xmlns:a16="http://schemas.microsoft.com/office/drawing/2014/main" id="{99C9B812-787C-F690-C2D7-6A7504871CA2}"/>
+                <a16:creationId xmlns:a16="http://schemas.microsoft.com/office/drawing/2014/main" id="{CB12DFD9-1966-7951-B6CF-5AC89E1C3EB4}"/>
               </a:ext>
             </a:extLst>
           </p:cNvPr>
@@ -894,7 +894,7 @@
           <p:cNvPr id="6" name="灯片编号占位符 5">
             <a:extLst>
               <a:ext uri="{FF2B5EF4-FFF2-40B4-BE49-F238E27FC236}">
-                <a16:creationId xmlns:a16="http://schemas.microsoft.com/office/drawing/2014/main" id="{FD9267FA-1AC6-8454-632B-F40182BDF8A3}"/>
+                <a16:creationId xmlns:a16="http://schemas.microsoft.com/office/drawing/2014/main" id="{A66E7ECB-3B30-248F-CEA3-38A0EC083FC6}"/>
               </a:ext>
             </a:extLst>
           </p:cNvPr>
@@ -910,7 +910,7 @@
           <a:bodyPr/>
           <a:lstStyle/>
           <a:p>
-            <a:fld id="{9E130DBA-F31B-4771-9D19-2C8F14DBAE93}" type="slidenum">
+            <a:fld id="{0EA2AA71-1BE2-4247-B6E4-D7ECFE90673D}" type="slidenum">
               <a:rPr lang="zh-CN" altLang="en-US" smtClean="0"/>
               <a:t>‹#›</a:t>
             </a:fld>
@@ -921,7 +921,7 @@
     </p:spTree>
     <p:extLst>
       <p:ext uri="{BB962C8B-B14F-4D97-AF65-F5344CB8AC3E}">
-        <p14:creationId xmlns:p14="http://schemas.microsoft.com/office/powerpoint/2010/main" val="602572644"/>
+        <p14:creationId xmlns:p14="http://schemas.microsoft.com/office/powerpoint/2010/main" val="3107121989"/>
       </p:ext>
     </p:extLst>
   </p:cSld>
@@ -953,7 +953,7 @@
           <p:cNvPr id="2" name="标题 1">
             <a:extLst>
               <a:ext uri="{FF2B5EF4-FFF2-40B4-BE49-F238E27FC236}">
-                <a16:creationId xmlns:a16="http://schemas.microsoft.com/office/drawing/2014/main" id="{598E0DF9-49FC-78F0-1178-1BC4831D1AC4}"/>
+                <a16:creationId xmlns:a16="http://schemas.microsoft.com/office/drawing/2014/main" id="{694CE85F-0249-0C91-60FE-F9A84D0D3D4A}"/>
               </a:ext>
             </a:extLst>
           </p:cNvPr>
@@ -990,7 +990,7 @@
           <p:cNvPr id="3" name="文本占位符 2">
             <a:extLst>
               <a:ext uri="{FF2B5EF4-FFF2-40B4-BE49-F238E27FC236}">
-                <a16:creationId xmlns:a16="http://schemas.microsoft.com/office/drawing/2014/main" id="{11EA5FCE-81C5-0030-7081-B685A147248F}"/>
+                <a16:creationId xmlns:a16="http://schemas.microsoft.com/office/drawing/2014/main" id="{3E6791FC-8921-22D6-043B-F234EC8F8CF7}"/>
               </a:ext>
             </a:extLst>
           </p:cNvPr>
@@ -1115,7 +1115,7 @@
           <p:cNvPr id="4" name="日期占位符 3">
             <a:extLst>
               <a:ext uri="{FF2B5EF4-FFF2-40B4-BE49-F238E27FC236}">
-                <a16:creationId xmlns:a16="http://schemas.microsoft.com/office/drawing/2014/main" id="{E2B70ACF-F7B9-64B9-03D4-457027AE4353}"/>
+                <a16:creationId xmlns:a16="http://schemas.microsoft.com/office/drawing/2014/main" id="{D0D1DFDE-1218-865A-DC0C-4F332822CB4A}"/>
               </a:ext>
             </a:extLst>
           </p:cNvPr>
@@ -1131,7 +1131,7 @@
           <a:bodyPr/>
           <a:lstStyle/>
           <a:p>
-            <a:fld id="{35D9E607-1DFC-40DC-95D0-52D8F853C016}" type="datetimeFigureOut">
+            <a:fld id="{865883FD-19D0-4143-AF80-3293FDB820F3}" type="datetimeFigureOut">
               <a:rPr lang="zh-CN" altLang="en-US" smtClean="0"/>
               <a:t>2024/3/10</a:t>
             </a:fld>
@@ -1144,7 +1144,7 @@
           <p:cNvPr id="5" name="页脚占位符 4">
             <a:extLst>
               <a:ext uri="{FF2B5EF4-FFF2-40B4-BE49-F238E27FC236}">
-                <a16:creationId xmlns:a16="http://schemas.microsoft.com/office/drawing/2014/main" id="{1DE68470-1CFB-52C2-326A-A03707913E56}"/>
+                <a16:creationId xmlns:a16="http://schemas.microsoft.com/office/drawing/2014/main" id="{4A29B461-FA36-C6CD-1D04-F30F881B8EB9}"/>
               </a:ext>
             </a:extLst>
           </p:cNvPr>
@@ -1169,7 +1169,7 @@
           <p:cNvPr id="6" name="灯片编号占位符 5">
             <a:extLst>
               <a:ext uri="{FF2B5EF4-FFF2-40B4-BE49-F238E27FC236}">
-                <a16:creationId xmlns:a16="http://schemas.microsoft.com/office/drawing/2014/main" id="{34582B1C-D237-7668-4AB1-1AE903FC7C65}"/>
+                <a16:creationId xmlns:a16="http://schemas.microsoft.com/office/drawing/2014/main" id="{77558D47-858D-6D32-90BD-6437E8E47484}"/>
               </a:ext>
             </a:extLst>
           </p:cNvPr>
@@ -1185,7 +1185,7 @@
           <a:bodyPr/>
           <a:lstStyle/>
           <a:p>
-            <a:fld id="{9E130DBA-F31B-4771-9D19-2C8F14DBAE93}" type="slidenum">
+            <a:fld id="{0EA2AA71-1BE2-4247-B6E4-D7ECFE90673D}" type="slidenum">
               <a:rPr lang="zh-CN" altLang="en-US" smtClean="0"/>
               <a:t>‹#›</a:t>
             </a:fld>
@@ -1196,7 +1196,7 @@
     </p:spTree>
     <p:extLst>
       <p:ext uri="{BB962C8B-B14F-4D97-AF65-F5344CB8AC3E}">
-        <p14:creationId xmlns:p14="http://schemas.microsoft.com/office/powerpoint/2010/main" val="986789258"/>
+        <p14:creationId xmlns:p14="http://schemas.microsoft.com/office/powerpoint/2010/main" val="3364562524"/>
       </p:ext>
     </p:extLst>
   </p:cSld>
@@ -1228,7 +1228,7 @@
           <p:cNvPr id="2" name="标题 1">
             <a:extLst>
               <a:ext uri="{FF2B5EF4-FFF2-40B4-BE49-F238E27FC236}">
-                <a16:creationId xmlns:a16="http://schemas.microsoft.com/office/drawing/2014/main" id="{946B2EF1-6517-5F8D-CACC-573E296971E3}"/>
+                <a16:creationId xmlns:a16="http://schemas.microsoft.com/office/drawing/2014/main" id="{1FB6CDE6-B81B-1F05-3D87-3E4313055488}"/>
               </a:ext>
             </a:extLst>
           </p:cNvPr>
@@ -1256,7 +1256,7 @@
           <p:cNvPr id="3" name="内容占位符 2">
             <a:extLst>
               <a:ext uri="{FF2B5EF4-FFF2-40B4-BE49-F238E27FC236}">
-                <a16:creationId xmlns:a16="http://schemas.microsoft.com/office/drawing/2014/main" id="{0F5730E2-3015-6076-17FA-1A25AE08D650}"/>
+                <a16:creationId xmlns:a16="http://schemas.microsoft.com/office/drawing/2014/main" id="{9C3937B6-39B2-58AA-9897-B91397EFA384}"/>
               </a:ext>
             </a:extLst>
           </p:cNvPr>
@@ -1318,7 +1318,7 @@
           <p:cNvPr id="4" name="内容占位符 3">
             <a:extLst>
               <a:ext uri="{FF2B5EF4-FFF2-40B4-BE49-F238E27FC236}">
-                <a16:creationId xmlns:a16="http://schemas.microsoft.com/office/drawing/2014/main" id="{C4B3EE23-9E4A-220D-D7E6-F50E4E6A33A9}"/>
+                <a16:creationId xmlns:a16="http://schemas.microsoft.com/office/drawing/2014/main" id="{5C3D89C9-959C-FA2C-F7C1-73537ADF4366}"/>
               </a:ext>
             </a:extLst>
           </p:cNvPr>
@@ -1380,7 +1380,7 @@
           <p:cNvPr id="5" name="日期占位符 4">
             <a:extLst>
               <a:ext uri="{FF2B5EF4-FFF2-40B4-BE49-F238E27FC236}">
-                <a16:creationId xmlns:a16="http://schemas.microsoft.com/office/drawing/2014/main" id="{7DA0B0A3-AD1D-B26F-B539-BD185F451B09}"/>
+                <a16:creationId xmlns:a16="http://schemas.microsoft.com/office/drawing/2014/main" id="{4EA6F4A7-929B-EFC5-433A-4D9F34B17F29}"/>
               </a:ext>
             </a:extLst>
           </p:cNvPr>
@@ -1396,7 +1396,7 @@
           <a:bodyPr/>
           <a:lstStyle/>
           <a:p>
-            <a:fld id="{35D9E607-1DFC-40DC-95D0-52D8F853C016}" type="datetimeFigureOut">
+            <a:fld id="{865883FD-19D0-4143-AF80-3293FDB820F3}" type="datetimeFigureOut">
               <a:rPr lang="zh-CN" altLang="en-US" smtClean="0"/>
               <a:t>2024/3/10</a:t>
             </a:fld>
@@ -1409,7 +1409,7 @@
           <p:cNvPr id="6" name="页脚占位符 5">
             <a:extLst>
               <a:ext uri="{FF2B5EF4-FFF2-40B4-BE49-F238E27FC236}">
-                <a16:creationId xmlns:a16="http://schemas.microsoft.com/office/drawing/2014/main" id="{108C0B74-CB4A-ACA4-1AD2-3DC316693CBF}"/>
+                <a16:creationId xmlns:a16="http://schemas.microsoft.com/office/drawing/2014/main" id="{B8ED8AD2-2701-389F-5096-1CAB97B27E32}"/>
               </a:ext>
             </a:extLst>
           </p:cNvPr>
@@ -1434,7 +1434,7 @@
           <p:cNvPr id="7" name="灯片编号占位符 6">
             <a:extLst>
               <a:ext uri="{FF2B5EF4-FFF2-40B4-BE49-F238E27FC236}">
-                <a16:creationId xmlns:a16="http://schemas.microsoft.com/office/drawing/2014/main" id="{D876DF36-B49A-9D46-10E9-67FF858B1DF2}"/>
+                <a16:creationId xmlns:a16="http://schemas.microsoft.com/office/drawing/2014/main" id="{966C2374-C53F-165A-D8C4-C513D4453AB0}"/>
               </a:ext>
             </a:extLst>
           </p:cNvPr>
@@ -1450,7 +1450,7 @@
           <a:bodyPr/>
           <a:lstStyle/>
           <a:p>
-            <a:fld id="{9E130DBA-F31B-4771-9D19-2C8F14DBAE93}" type="slidenum">
+            <a:fld id="{0EA2AA71-1BE2-4247-B6E4-D7ECFE90673D}" type="slidenum">
               <a:rPr lang="zh-CN" altLang="en-US" smtClean="0"/>
               <a:t>‹#›</a:t>
             </a:fld>
@@ -1461,7 +1461,7 @@
     </p:spTree>
     <p:extLst>
       <p:ext uri="{BB962C8B-B14F-4D97-AF65-F5344CB8AC3E}">
-        <p14:creationId xmlns:p14="http://schemas.microsoft.com/office/powerpoint/2010/main" val="2977337991"/>
+        <p14:creationId xmlns:p14="http://schemas.microsoft.com/office/powerpoint/2010/main" val="596936475"/>
       </p:ext>
     </p:extLst>
   </p:cSld>
@@ -1493,7 +1493,7 @@
           <p:cNvPr id="2" name="标题 1">
             <a:extLst>
               <a:ext uri="{FF2B5EF4-FFF2-40B4-BE49-F238E27FC236}">
-                <a16:creationId xmlns:a16="http://schemas.microsoft.com/office/drawing/2014/main" id="{4125E7F4-66E9-D15E-5E72-FE315CC83A87}"/>
+                <a16:creationId xmlns:a16="http://schemas.microsoft.com/office/drawing/2014/main" id="{B47FAC47-D196-4D8E-6186-4D9D3285A282}"/>
               </a:ext>
             </a:extLst>
           </p:cNvPr>
@@ -1526,7 +1526,7 @@
           <p:cNvPr id="3" name="文本占位符 2">
             <a:extLst>
               <a:ext uri="{FF2B5EF4-FFF2-40B4-BE49-F238E27FC236}">
-                <a16:creationId xmlns:a16="http://schemas.microsoft.com/office/drawing/2014/main" id="{B5CEFDA9-A3EF-2913-CD41-39A82CA8ADCA}"/>
+                <a16:creationId xmlns:a16="http://schemas.microsoft.com/office/drawing/2014/main" id="{8C95AE72-33E4-AB96-9864-DD082E7CEC62}"/>
               </a:ext>
             </a:extLst>
           </p:cNvPr>
@@ -1597,7 +1597,7 @@
           <p:cNvPr id="4" name="内容占位符 3">
             <a:extLst>
               <a:ext uri="{FF2B5EF4-FFF2-40B4-BE49-F238E27FC236}">
-                <a16:creationId xmlns:a16="http://schemas.microsoft.com/office/drawing/2014/main" id="{9E691DAE-3715-7D75-604C-89130D485B56}"/>
+                <a16:creationId xmlns:a16="http://schemas.microsoft.com/office/drawing/2014/main" id="{D3A0677B-CBA2-12C5-3AD6-74FCB4F2BAC6}"/>
               </a:ext>
             </a:extLst>
           </p:cNvPr>
@@ -1659,7 +1659,7 @@
           <p:cNvPr id="5" name="文本占位符 4">
             <a:extLst>
               <a:ext uri="{FF2B5EF4-FFF2-40B4-BE49-F238E27FC236}">
-                <a16:creationId xmlns:a16="http://schemas.microsoft.com/office/drawing/2014/main" id="{1156A4B9-53C2-90B8-09AA-C04F1E0465AE}"/>
+                <a16:creationId xmlns:a16="http://schemas.microsoft.com/office/drawing/2014/main" id="{683FF2FB-3195-0B14-0B29-2D8300B2B240}"/>
               </a:ext>
             </a:extLst>
           </p:cNvPr>
@@ -1730,7 +1730,7 @@
           <p:cNvPr id="6" name="内容占位符 5">
             <a:extLst>
               <a:ext uri="{FF2B5EF4-FFF2-40B4-BE49-F238E27FC236}">
-                <a16:creationId xmlns:a16="http://schemas.microsoft.com/office/drawing/2014/main" id="{A4D3F3D1-A83B-DE13-261F-C3F3F9673EC4}"/>
+                <a16:creationId xmlns:a16="http://schemas.microsoft.com/office/drawing/2014/main" id="{60C6CBF7-CEC6-737E-999A-5A15704DFFC9}"/>
               </a:ext>
             </a:extLst>
           </p:cNvPr>
@@ -1792,7 +1792,7 @@
           <p:cNvPr id="7" name="日期占位符 6">
             <a:extLst>
               <a:ext uri="{FF2B5EF4-FFF2-40B4-BE49-F238E27FC236}">
-                <a16:creationId xmlns:a16="http://schemas.microsoft.com/office/drawing/2014/main" id="{00F66F6D-BA6A-2D96-1336-D23FB398E2B3}"/>
+                <a16:creationId xmlns:a16="http://schemas.microsoft.com/office/drawing/2014/main" id="{B15F4565-102E-9F2A-2B26-C9F9F3F10BB7}"/>
               </a:ext>
             </a:extLst>
           </p:cNvPr>
@@ -1808,7 +1808,7 @@
           <a:bodyPr/>
           <a:lstStyle/>
           <a:p>
-            <a:fld id="{35D9E607-1DFC-40DC-95D0-52D8F853C016}" type="datetimeFigureOut">
+            <a:fld id="{865883FD-19D0-4143-AF80-3293FDB820F3}" type="datetimeFigureOut">
               <a:rPr lang="zh-CN" altLang="en-US" smtClean="0"/>
               <a:t>2024/3/10</a:t>
             </a:fld>
@@ -1821,7 +1821,7 @@
           <p:cNvPr id="8" name="页脚占位符 7">
             <a:extLst>
               <a:ext uri="{FF2B5EF4-FFF2-40B4-BE49-F238E27FC236}">
-                <a16:creationId xmlns:a16="http://schemas.microsoft.com/office/drawing/2014/main" id="{830EE2D7-4E30-07A7-3C5F-015625A8A6FE}"/>
+                <a16:creationId xmlns:a16="http://schemas.microsoft.com/office/drawing/2014/main" id="{A67345D1-61FB-3326-D1EF-3A5BD0CFF17E}"/>
               </a:ext>
             </a:extLst>
           </p:cNvPr>
@@ -1846,7 +1846,7 @@
           <p:cNvPr id="9" name="灯片编号占位符 8">
             <a:extLst>
               <a:ext uri="{FF2B5EF4-FFF2-40B4-BE49-F238E27FC236}">
-                <a16:creationId xmlns:a16="http://schemas.microsoft.com/office/drawing/2014/main" id="{7009ADC6-FB6F-6D86-4A9E-947884847052}"/>
+                <a16:creationId xmlns:a16="http://schemas.microsoft.com/office/drawing/2014/main" id="{0FAA5EAD-B7C6-EF01-6488-B662FE7769C9}"/>
               </a:ext>
             </a:extLst>
           </p:cNvPr>
@@ -1862,7 +1862,7 @@
           <a:bodyPr/>
           <a:lstStyle/>
           <a:p>
-            <a:fld id="{9E130DBA-F31B-4771-9D19-2C8F14DBAE93}" type="slidenum">
+            <a:fld id="{0EA2AA71-1BE2-4247-B6E4-D7ECFE90673D}" type="slidenum">
               <a:rPr lang="zh-CN" altLang="en-US" smtClean="0"/>
               <a:t>‹#›</a:t>
             </a:fld>
@@ -1873,7 +1873,7 @@
     </p:spTree>
     <p:extLst>
       <p:ext uri="{BB962C8B-B14F-4D97-AF65-F5344CB8AC3E}">
-        <p14:creationId xmlns:p14="http://schemas.microsoft.com/office/powerpoint/2010/main" val="4096164097"/>
+        <p14:creationId xmlns:p14="http://schemas.microsoft.com/office/powerpoint/2010/main" val="1783573361"/>
       </p:ext>
     </p:extLst>
   </p:cSld>
@@ -1905,7 +1905,7 @@
           <p:cNvPr id="2" name="标题 1">
             <a:extLst>
               <a:ext uri="{FF2B5EF4-FFF2-40B4-BE49-F238E27FC236}">
-                <a16:creationId xmlns:a16="http://schemas.microsoft.com/office/drawing/2014/main" id="{5B87948E-CCD6-99C5-58E5-6B1296C86DB4}"/>
+                <a16:creationId xmlns:a16="http://schemas.microsoft.com/office/drawing/2014/main" id="{0C396613-A0F2-C0D9-1487-70A03A26D039}"/>
               </a:ext>
             </a:extLst>
           </p:cNvPr>
@@ -1933,7 +1933,7 @@
           <p:cNvPr id="3" name="日期占位符 2">
             <a:extLst>
               <a:ext uri="{FF2B5EF4-FFF2-40B4-BE49-F238E27FC236}">
-                <a16:creationId xmlns:a16="http://schemas.microsoft.com/office/drawing/2014/main" id="{ABE6B9FC-C19E-8524-0173-21A4598C7B90}"/>
+                <a16:creationId xmlns:a16="http://schemas.microsoft.com/office/drawing/2014/main" id="{9AF1ED24-0200-1E3B-566F-E0388F8A0D24}"/>
               </a:ext>
             </a:extLst>
           </p:cNvPr>
@@ -1949,7 +1949,7 @@
           <a:bodyPr/>
           <a:lstStyle/>
           <a:p>
-            <a:fld id="{35D9E607-1DFC-40DC-95D0-52D8F853C016}" type="datetimeFigureOut">
+            <a:fld id="{865883FD-19D0-4143-AF80-3293FDB820F3}" type="datetimeFigureOut">
               <a:rPr lang="zh-CN" altLang="en-US" smtClean="0"/>
               <a:t>2024/3/10</a:t>
             </a:fld>
@@ -1962,7 +1962,7 @@
           <p:cNvPr id="4" name="页脚占位符 3">
             <a:extLst>
               <a:ext uri="{FF2B5EF4-FFF2-40B4-BE49-F238E27FC236}">
-                <a16:creationId xmlns:a16="http://schemas.microsoft.com/office/drawing/2014/main" id="{866EE344-EE90-622F-4F47-85227566EE2E}"/>
+                <a16:creationId xmlns:a16="http://schemas.microsoft.com/office/drawing/2014/main" id="{D730FF96-D677-E47F-D039-7ADFB344C45A}"/>
               </a:ext>
             </a:extLst>
           </p:cNvPr>
@@ -1987,7 +1987,7 @@
           <p:cNvPr id="5" name="灯片编号占位符 4">
             <a:extLst>
               <a:ext uri="{FF2B5EF4-FFF2-40B4-BE49-F238E27FC236}">
-                <a16:creationId xmlns:a16="http://schemas.microsoft.com/office/drawing/2014/main" id="{17AA3F73-280C-F98C-8142-011BF461BA11}"/>
+                <a16:creationId xmlns:a16="http://schemas.microsoft.com/office/drawing/2014/main" id="{18919337-34B5-3F8A-C4B2-1715A89482E4}"/>
               </a:ext>
             </a:extLst>
           </p:cNvPr>
@@ -2003,7 +2003,7 @@
           <a:bodyPr/>
           <a:lstStyle/>
           <a:p>
-            <a:fld id="{9E130DBA-F31B-4771-9D19-2C8F14DBAE93}" type="slidenum">
+            <a:fld id="{0EA2AA71-1BE2-4247-B6E4-D7ECFE90673D}" type="slidenum">
               <a:rPr lang="zh-CN" altLang="en-US" smtClean="0"/>
               <a:t>‹#›</a:t>
             </a:fld>
@@ -2014,7 +2014,7 @@
     </p:spTree>
     <p:extLst>
       <p:ext uri="{BB962C8B-B14F-4D97-AF65-F5344CB8AC3E}">
-        <p14:creationId xmlns:p14="http://schemas.microsoft.com/office/powerpoint/2010/main" val="839938290"/>
+        <p14:creationId xmlns:p14="http://schemas.microsoft.com/office/powerpoint/2010/main" val="1815667749"/>
       </p:ext>
     </p:extLst>
   </p:cSld>
@@ -2046,7 +2046,7 @@
           <p:cNvPr id="2" name="日期占位符 1">
             <a:extLst>
               <a:ext uri="{FF2B5EF4-FFF2-40B4-BE49-F238E27FC236}">
-                <a16:creationId xmlns:a16="http://schemas.microsoft.com/office/drawing/2014/main" id="{72AC368F-07DF-1EC5-46A6-3CF4843D928D}"/>
+                <a16:creationId xmlns:a16="http://schemas.microsoft.com/office/drawing/2014/main" id="{495292F0-E63E-A9CC-9D5A-57C537EF701E}"/>
               </a:ext>
             </a:extLst>
           </p:cNvPr>
@@ -2062,7 +2062,7 @@
           <a:bodyPr/>
           <a:lstStyle/>
           <a:p>
-            <a:fld id="{35D9E607-1DFC-40DC-95D0-52D8F853C016}" type="datetimeFigureOut">
+            <a:fld id="{865883FD-19D0-4143-AF80-3293FDB820F3}" type="datetimeFigureOut">
               <a:rPr lang="zh-CN" altLang="en-US" smtClean="0"/>
               <a:t>2024/3/10</a:t>
             </a:fld>
@@ -2075,7 +2075,7 @@
           <p:cNvPr id="3" name="页脚占位符 2">
             <a:extLst>
               <a:ext uri="{FF2B5EF4-FFF2-40B4-BE49-F238E27FC236}">
-                <a16:creationId xmlns:a16="http://schemas.microsoft.com/office/drawing/2014/main" id="{F7D08172-07CB-FC3C-DC7F-146C55AD3320}"/>
+                <a16:creationId xmlns:a16="http://schemas.microsoft.com/office/drawing/2014/main" id="{8763E769-12B9-023E-60AE-79F0A6E7AF43}"/>
               </a:ext>
             </a:extLst>
           </p:cNvPr>
@@ -2100,7 +2100,7 @@
           <p:cNvPr id="4" name="灯片编号占位符 3">
             <a:extLst>
               <a:ext uri="{FF2B5EF4-FFF2-40B4-BE49-F238E27FC236}">
-                <a16:creationId xmlns:a16="http://schemas.microsoft.com/office/drawing/2014/main" id="{795F690F-E11A-A9C9-AC71-6ABB2546740C}"/>
+                <a16:creationId xmlns:a16="http://schemas.microsoft.com/office/drawing/2014/main" id="{8C2B09EC-B8E3-42B8-B125-0A6D7DFF90F1}"/>
               </a:ext>
             </a:extLst>
           </p:cNvPr>
@@ -2116,7 +2116,7 @@
           <a:bodyPr/>
           <a:lstStyle/>
           <a:p>
-            <a:fld id="{9E130DBA-F31B-4771-9D19-2C8F14DBAE93}" type="slidenum">
+            <a:fld id="{0EA2AA71-1BE2-4247-B6E4-D7ECFE90673D}" type="slidenum">
               <a:rPr lang="zh-CN" altLang="en-US" smtClean="0"/>
               <a:t>‹#›</a:t>
             </a:fld>
@@ -2127,7 +2127,7 @@
     </p:spTree>
     <p:extLst>
       <p:ext uri="{BB962C8B-B14F-4D97-AF65-F5344CB8AC3E}">
-        <p14:creationId xmlns:p14="http://schemas.microsoft.com/office/powerpoint/2010/main" val="1042427427"/>
+        <p14:creationId xmlns:p14="http://schemas.microsoft.com/office/powerpoint/2010/main" val="1552573056"/>
       </p:ext>
     </p:extLst>
   </p:cSld>
@@ -2159,7 +2159,7 @@
           <p:cNvPr id="2" name="标题 1">
             <a:extLst>
               <a:ext uri="{FF2B5EF4-FFF2-40B4-BE49-F238E27FC236}">
-                <a16:creationId xmlns:a16="http://schemas.microsoft.com/office/drawing/2014/main" id="{2031A6B3-AF94-7E1B-8572-ABFEFF2DEA62}"/>
+                <a16:creationId xmlns:a16="http://schemas.microsoft.com/office/drawing/2014/main" id="{064D4A0D-1D52-03A4-5DD8-77D0B5F63CDD}"/>
               </a:ext>
             </a:extLst>
           </p:cNvPr>
@@ -2196,7 +2196,7 @@
           <p:cNvPr id="3" name="内容占位符 2">
             <a:extLst>
               <a:ext uri="{FF2B5EF4-FFF2-40B4-BE49-F238E27FC236}">
-                <a16:creationId xmlns:a16="http://schemas.microsoft.com/office/drawing/2014/main" id="{29E9415C-FA60-63A5-2562-73B018FB8B29}"/>
+                <a16:creationId xmlns:a16="http://schemas.microsoft.com/office/drawing/2014/main" id="{D0B927F7-C4BB-8C92-2D65-D67BAAD158BA}"/>
               </a:ext>
             </a:extLst>
           </p:cNvPr>
@@ -2286,7 +2286,7 @@
           <p:cNvPr id="4" name="文本占位符 3">
             <a:extLst>
               <a:ext uri="{FF2B5EF4-FFF2-40B4-BE49-F238E27FC236}">
-                <a16:creationId xmlns:a16="http://schemas.microsoft.com/office/drawing/2014/main" id="{F6268C3F-C4A1-3081-DC2D-27CBEFA89D3A}"/>
+                <a16:creationId xmlns:a16="http://schemas.microsoft.com/office/drawing/2014/main" id="{4CD515BC-9D69-49F6-7F43-96EC26F05B6E}"/>
               </a:ext>
             </a:extLst>
           </p:cNvPr>
@@ -2357,7 +2357,7 @@
           <p:cNvPr id="5" name="日期占位符 4">
             <a:extLst>
               <a:ext uri="{FF2B5EF4-FFF2-40B4-BE49-F238E27FC236}">
-                <a16:creationId xmlns:a16="http://schemas.microsoft.com/office/drawing/2014/main" id="{E1181CF7-2827-AB12-3599-7767C275C0C9}"/>
+                <a16:creationId xmlns:a16="http://schemas.microsoft.com/office/drawing/2014/main" id="{CAD4A9C4-0B63-6D35-9C7B-EBF7E92ED9DA}"/>
               </a:ext>
             </a:extLst>
           </p:cNvPr>
@@ -2373,7 +2373,7 @@
           <a:bodyPr/>
           <a:lstStyle/>
           <a:p>
-            <a:fld id="{35D9E607-1DFC-40DC-95D0-52D8F853C016}" type="datetimeFigureOut">
+            <a:fld id="{865883FD-19D0-4143-AF80-3293FDB820F3}" type="datetimeFigureOut">
               <a:rPr lang="zh-CN" altLang="en-US" smtClean="0"/>
               <a:t>2024/3/10</a:t>
             </a:fld>
@@ -2386,7 +2386,7 @@
           <p:cNvPr id="6" name="页脚占位符 5">
             <a:extLst>
               <a:ext uri="{FF2B5EF4-FFF2-40B4-BE49-F238E27FC236}">
-                <a16:creationId xmlns:a16="http://schemas.microsoft.com/office/drawing/2014/main" id="{5DC0B1E4-8764-8287-F3DD-3073746B26DA}"/>
+                <a16:creationId xmlns:a16="http://schemas.microsoft.com/office/drawing/2014/main" id="{C3E03D71-E176-A5CE-27FF-5827241C3755}"/>
               </a:ext>
             </a:extLst>
           </p:cNvPr>
@@ -2411,7 +2411,7 @@
           <p:cNvPr id="7" name="灯片编号占位符 6">
             <a:extLst>
               <a:ext uri="{FF2B5EF4-FFF2-40B4-BE49-F238E27FC236}">
-                <a16:creationId xmlns:a16="http://schemas.microsoft.com/office/drawing/2014/main" id="{465D68F4-1217-5755-9BD7-13C3BAFDFD3A}"/>
+                <a16:creationId xmlns:a16="http://schemas.microsoft.com/office/drawing/2014/main" id="{5CA2060D-C4A2-2137-840F-945F9FEAF9F6}"/>
               </a:ext>
             </a:extLst>
           </p:cNvPr>
@@ -2427,7 +2427,7 @@
           <a:bodyPr/>
           <a:lstStyle/>
           <a:p>
-            <a:fld id="{9E130DBA-F31B-4771-9D19-2C8F14DBAE93}" type="slidenum">
+            <a:fld id="{0EA2AA71-1BE2-4247-B6E4-D7ECFE90673D}" type="slidenum">
               <a:rPr lang="zh-CN" altLang="en-US" smtClean="0"/>
               <a:t>‹#›</a:t>
             </a:fld>
@@ -2438,7 +2438,7 @@
     </p:spTree>
     <p:extLst>
       <p:ext uri="{BB962C8B-B14F-4D97-AF65-F5344CB8AC3E}">
-        <p14:creationId xmlns:p14="http://schemas.microsoft.com/office/powerpoint/2010/main" val="3917919901"/>
+        <p14:creationId xmlns:p14="http://schemas.microsoft.com/office/powerpoint/2010/main" val="1989556146"/>
       </p:ext>
     </p:extLst>
   </p:cSld>
@@ -2470,7 +2470,7 @@
           <p:cNvPr id="2" name="标题 1">
             <a:extLst>
               <a:ext uri="{FF2B5EF4-FFF2-40B4-BE49-F238E27FC236}">
-                <a16:creationId xmlns:a16="http://schemas.microsoft.com/office/drawing/2014/main" id="{EA0530AA-F67E-E0DF-57D5-E336FDA995BA}"/>
+                <a16:creationId xmlns:a16="http://schemas.microsoft.com/office/drawing/2014/main" id="{CFB24387-93C8-700E-B63B-381B1B1632FF}"/>
               </a:ext>
             </a:extLst>
           </p:cNvPr>
@@ -2507,7 +2507,7 @@
           <p:cNvPr id="3" name="图片占位符 2">
             <a:extLst>
               <a:ext uri="{FF2B5EF4-FFF2-40B4-BE49-F238E27FC236}">
-                <a16:creationId xmlns:a16="http://schemas.microsoft.com/office/drawing/2014/main" id="{A97AA1BC-AE3E-52A6-F32E-82122879D9B0}"/>
+                <a16:creationId xmlns:a16="http://schemas.microsoft.com/office/drawing/2014/main" id="{C37BF453-47B8-54C5-C5C4-AE31F46C6EDA}"/>
               </a:ext>
             </a:extLst>
           </p:cNvPr>
@@ -2574,7 +2574,7 @@
           <p:cNvPr id="4" name="文本占位符 3">
             <a:extLst>
               <a:ext uri="{FF2B5EF4-FFF2-40B4-BE49-F238E27FC236}">
-                <a16:creationId xmlns:a16="http://schemas.microsoft.com/office/drawing/2014/main" id="{A7D64D5D-181C-606D-DCE7-B3D96DAB1470}"/>
+                <a16:creationId xmlns:a16="http://schemas.microsoft.com/office/drawing/2014/main" id="{6BF74273-9F51-691A-1155-0E1CEA02F2F0}"/>
               </a:ext>
             </a:extLst>
           </p:cNvPr>
@@ -2645,7 +2645,7 @@
           <p:cNvPr id="5" name="日期占位符 4">
             <a:extLst>
               <a:ext uri="{FF2B5EF4-FFF2-40B4-BE49-F238E27FC236}">
-                <a16:creationId xmlns:a16="http://schemas.microsoft.com/office/drawing/2014/main" id="{98753F7B-6CE6-F208-ED45-1C99A995999F}"/>
+                <a16:creationId xmlns:a16="http://schemas.microsoft.com/office/drawing/2014/main" id="{EDA9490B-31DC-8CFC-6A5A-2C2A1F65F50D}"/>
               </a:ext>
             </a:extLst>
           </p:cNvPr>
@@ -2661,7 +2661,7 @@
           <a:bodyPr/>
           <a:lstStyle/>
           <a:p>
-            <a:fld id="{35D9E607-1DFC-40DC-95D0-52D8F853C016}" type="datetimeFigureOut">
+            <a:fld id="{865883FD-19D0-4143-AF80-3293FDB820F3}" type="datetimeFigureOut">
               <a:rPr lang="zh-CN" altLang="en-US" smtClean="0"/>
               <a:t>2024/3/10</a:t>
             </a:fld>
@@ -2674,7 +2674,7 @@
           <p:cNvPr id="6" name="页脚占位符 5">
             <a:extLst>
               <a:ext uri="{FF2B5EF4-FFF2-40B4-BE49-F238E27FC236}">
-                <a16:creationId xmlns:a16="http://schemas.microsoft.com/office/drawing/2014/main" id="{539EB27D-98B4-95AC-AE27-158243DFF046}"/>
+                <a16:creationId xmlns:a16="http://schemas.microsoft.com/office/drawing/2014/main" id="{14CEE0A9-6456-9BEA-CA06-F9026300FAB5}"/>
               </a:ext>
             </a:extLst>
           </p:cNvPr>
@@ -2699,7 +2699,7 @@
           <p:cNvPr id="7" name="灯片编号占位符 6">
             <a:extLst>
               <a:ext uri="{FF2B5EF4-FFF2-40B4-BE49-F238E27FC236}">
-                <a16:creationId xmlns:a16="http://schemas.microsoft.com/office/drawing/2014/main" id="{8CEF6AAC-5B80-A02E-A79C-702271938AD0}"/>
+                <a16:creationId xmlns:a16="http://schemas.microsoft.com/office/drawing/2014/main" id="{EE48ED00-0767-F286-B2F3-A9B2B3C51ABC}"/>
               </a:ext>
             </a:extLst>
           </p:cNvPr>
@@ -2715,7 +2715,7 @@
           <a:bodyPr/>
           <a:lstStyle/>
           <a:p>
-            <a:fld id="{9E130DBA-F31B-4771-9D19-2C8F14DBAE93}" type="slidenum">
+            <a:fld id="{0EA2AA71-1BE2-4247-B6E4-D7ECFE90673D}" type="slidenum">
               <a:rPr lang="zh-CN" altLang="en-US" smtClean="0"/>
               <a:t>‹#›</a:t>
             </a:fld>
@@ -2726,7 +2726,7 @@
     </p:spTree>
     <p:extLst>
       <p:ext uri="{BB962C8B-B14F-4D97-AF65-F5344CB8AC3E}">
-        <p14:creationId xmlns:p14="http://schemas.microsoft.com/office/powerpoint/2010/main" val="1091009114"/>
+        <p14:creationId xmlns:p14="http://schemas.microsoft.com/office/powerpoint/2010/main" val="432184860"/>
       </p:ext>
     </p:extLst>
   </p:cSld>
@@ -2763,7 +2763,7 @@
           <p:cNvPr id="2" name="标题占位符 1">
             <a:extLst>
               <a:ext uri="{FF2B5EF4-FFF2-40B4-BE49-F238E27FC236}">
-                <a16:creationId xmlns:a16="http://schemas.microsoft.com/office/drawing/2014/main" id="{7EABAD67-2021-3DF9-C25B-B2D04328D39E}"/>
+                <a16:creationId xmlns:a16="http://schemas.microsoft.com/office/drawing/2014/main" id="{1EDA1CF7-1577-2681-A148-F3521AC8BA56}"/>
               </a:ext>
             </a:extLst>
           </p:cNvPr>
@@ -2801,7 +2801,7 @@
           <p:cNvPr id="3" name="文本占位符 2">
             <a:extLst>
               <a:ext uri="{FF2B5EF4-FFF2-40B4-BE49-F238E27FC236}">
-                <a16:creationId xmlns:a16="http://schemas.microsoft.com/office/drawing/2014/main" id="{FBE63B68-05B4-997C-4850-895970F3F51C}"/>
+                <a16:creationId xmlns:a16="http://schemas.microsoft.com/office/drawing/2014/main" id="{95C71AF1-842B-51C2-50B7-C05C18B2B27C}"/>
               </a:ext>
             </a:extLst>
           </p:cNvPr>
@@ -2868,7 +2868,7 @@
           <p:cNvPr id="4" name="日期占位符 3">
             <a:extLst>
               <a:ext uri="{FF2B5EF4-FFF2-40B4-BE49-F238E27FC236}">
-                <a16:creationId xmlns:a16="http://schemas.microsoft.com/office/drawing/2014/main" id="{23517904-814A-2A56-1192-6915AA7E6C1D}"/>
+                <a16:creationId xmlns:a16="http://schemas.microsoft.com/office/drawing/2014/main" id="{F9327C3A-093F-7028-17AB-FD90A1DE1EAA}"/>
               </a:ext>
             </a:extLst>
           </p:cNvPr>
@@ -2902,7 +2902,7 @@
             </a:lvl1pPr>
           </a:lstStyle>
           <a:p>
-            <a:fld id="{35D9E607-1DFC-40DC-95D0-52D8F853C016}" type="datetimeFigureOut">
+            <a:fld id="{865883FD-19D0-4143-AF80-3293FDB820F3}" type="datetimeFigureOut">
               <a:rPr lang="zh-CN" altLang="en-US" smtClean="0"/>
               <a:t>2024/3/10</a:t>
             </a:fld>
@@ -2915,7 +2915,7 @@
           <p:cNvPr id="5" name="页脚占位符 4">
             <a:extLst>
               <a:ext uri="{FF2B5EF4-FFF2-40B4-BE49-F238E27FC236}">
-                <a16:creationId xmlns:a16="http://schemas.microsoft.com/office/drawing/2014/main" id="{BEF6A9FA-0890-F4AD-FA63-33AEB2B2426D}"/>
+                <a16:creationId xmlns:a16="http://schemas.microsoft.com/office/drawing/2014/main" id="{E273AC06-F946-C515-FC3F-0898A58C9584}"/>
               </a:ext>
             </a:extLst>
           </p:cNvPr>
@@ -2958,7 +2958,7 @@
           <p:cNvPr id="6" name="灯片编号占位符 5">
             <a:extLst>
               <a:ext uri="{FF2B5EF4-FFF2-40B4-BE49-F238E27FC236}">
-                <a16:creationId xmlns:a16="http://schemas.microsoft.com/office/drawing/2014/main" id="{C9680141-6EC6-80FE-7684-66ADF9B6601B}"/>
+                <a16:creationId xmlns:a16="http://schemas.microsoft.com/office/drawing/2014/main" id="{61035170-C90C-7CB9-C475-6B6DA97DF787}"/>
               </a:ext>
             </a:extLst>
           </p:cNvPr>
@@ -2992,7 +2992,7 @@
             </a:lvl1pPr>
           </a:lstStyle>
           <a:p>
-            <a:fld id="{9E130DBA-F31B-4771-9D19-2C8F14DBAE93}" type="slidenum">
+            <a:fld id="{0EA2AA71-1BE2-4247-B6E4-D7ECFE90673D}" type="slidenum">
               <a:rPr lang="zh-CN" altLang="en-US" smtClean="0"/>
               <a:t>‹#›</a:t>
             </a:fld>
@@ -3003,7 +3003,7 @@
     </p:spTree>
     <p:extLst>
       <p:ext uri="{BB962C8B-B14F-4D97-AF65-F5344CB8AC3E}">
-        <p14:creationId xmlns:p14="http://schemas.microsoft.com/office/powerpoint/2010/main" val="1909891336"/>
+        <p14:creationId xmlns:p14="http://schemas.microsoft.com/office/powerpoint/2010/main" val="3037846339"/>
       </p:ext>
     </p:extLst>
   </p:cSld>
